--- a/dist/doc/NT18PosterPreviewTemplate.pptx
+++ b/dist/doc/NT18PosterPreviewTemplate.pptx
@@ -243,7 +243,7 @@
           <a:p>
             <a:fld id="{D44BDCED-EC5A-4DDB-AB31-B31F38FB0F8F}" type="datetimeFigureOut">
               <a:rPr lang="zh-CN" altLang="en-US" smtClean="0"/>
-              <a:t>2018-5-30</a:t>
+              <a:t>2018-6-14</a:t>
             </a:fld>
             <a:endParaRPr lang="zh-CN" altLang="en-US"/>
           </a:p>
@@ -413,7 +413,7 @@
           <a:p>
             <a:fld id="{D44BDCED-EC5A-4DDB-AB31-B31F38FB0F8F}" type="datetimeFigureOut">
               <a:rPr lang="zh-CN" altLang="en-US" smtClean="0"/>
-              <a:t>2018-5-30</a:t>
+              <a:t>2018-6-14</a:t>
             </a:fld>
             <a:endParaRPr lang="zh-CN" altLang="en-US"/>
           </a:p>
@@ -593,7 +593,7 @@
           <a:p>
             <a:fld id="{D44BDCED-EC5A-4DDB-AB31-B31F38FB0F8F}" type="datetimeFigureOut">
               <a:rPr lang="zh-CN" altLang="en-US" smtClean="0"/>
-              <a:t>2018-5-30</a:t>
+              <a:t>2018-6-14</a:t>
             </a:fld>
             <a:endParaRPr lang="zh-CN" altLang="en-US"/>
           </a:p>
@@ -763,7 +763,7 @@
           <a:p>
             <a:fld id="{D44BDCED-EC5A-4DDB-AB31-B31F38FB0F8F}" type="datetimeFigureOut">
               <a:rPr lang="zh-CN" altLang="en-US" smtClean="0"/>
-              <a:t>2018-5-30</a:t>
+              <a:t>2018-6-14</a:t>
             </a:fld>
             <a:endParaRPr lang="zh-CN" altLang="en-US"/>
           </a:p>
@@ -1007,7 +1007,7 @@
           <a:p>
             <a:fld id="{D44BDCED-EC5A-4DDB-AB31-B31F38FB0F8F}" type="datetimeFigureOut">
               <a:rPr lang="zh-CN" altLang="en-US" smtClean="0"/>
-              <a:t>2018-5-30</a:t>
+              <a:t>2018-6-14</a:t>
             </a:fld>
             <a:endParaRPr lang="zh-CN" altLang="en-US"/>
           </a:p>
@@ -1239,7 +1239,7 @@
           <a:p>
             <a:fld id="{D44BDCED-EC5A-4DDB-AB31-B31F38FB0F8F}" type="datetimeFigureOut">
               <a:rPr lang="zh-CN" altLang="en-US" smtClean="0"/>
-              <a:t>2018-5-30</a:t>
+              <a:t>2018-6-14</a:t>
             </a:fld>
             <a:endParaRPr lang="zh-CN" altLang="en-US"/>
           </a:p>
@@ -1606,7 +1606,7 @@
           <a:p>
             <a:fld id="{D44BDCED-EC5A-4DDB-AB31-B31F38FB0F8F}" type="datetimeFigureOut">
               <a:rPr lang="zh-CN" altLang="en-US" smtClean="0"/>
-              <a:t>2018-5-30</a:t>
+              <a:t>2018-6-14</a:t>
             </a:fld>
             <a:endParaRPr lang="zh-CN" altLang="en-US"/>
           </a:p>
@@ -1724,7 +1724,7 @@
           <a:p>
             <a:fld id="{D44BDCED-EC5A-4DDB-AB31-B31F38FB0F8F}" type="datetimeFigureOut">
               <a:rPr lang="zh-CN" altLang="en-US" smtClean="0"/>
-              <a:t>2018-5-30</a:t>
+              <a:t>2018-6-14</a:t>
             </a:fld>
             <a:endParaRPr lang="zh-CN" altLang="en-US"/>
           </a:p>
@@ -1819,7 +1819,7 @@
           <a:p>
             <a:fld id="{D44BDCED-EC5A-4DDB-AB31-B31F38FB0F8F}" type="datetimeFigureOut">
               <a:rPr lang="zh-CN" altLang="en-US" smtClean="0"/>
-              <a:t>2018-5-30</a:t>
+              <a:t>2018-6-14</a:t>
             </a:fld>
             <a:endParaRPr lang="zh-CN" altLang="en-US"/>
           </a:p>
@@ -2096,7 +2096,7 @@
           <a:p>
             <a:fld id="{D44BDCED-EC5A-4DDB-AB31-B31F38FB0F8F}" type="datetimeFigureOut">
               <a:rPr lang="zh-CN" altLang="en-US" smtClean="0"/>
-              <a:t>2018-5-30</a:t>
+              <a:t>2018-6-14</a:t>
             </a:fld>
             <a:endParaRPr lang="zh-CN" altLang="en-US"/>
           </a:p>
@@ -2353,7 +2353,7 @@
           <a:p>
             <a:fld id="{D44BDCED-EC5A-4DDB-AB31-B31F38FB0F8F}" type="datetimeFigureOut">
               <a:rPr lang="zh-CN" altLang="en-US" smtClean="0"/>
-              <a:t>2018-5-30</a:t>
+              <a:t>2018-6-14</a:t>
             </a:fld>
             <a:endParaRPr lang="zh-CN" altLang="en-US"/>
           </a:p>
@@ -2566,7 +2566,7 @@
           <a:p>
             <a:fld id="{D44BDCED-EC5A-4DDB-AB31-B31F38FB0F8F}" type="datetimeFigureOut">
               <a:rPr lang="zh-CN" altLang="en-US" smtClean="0"/>
-              <a:t>2018-5-30</a:t>
+              <a:t>2018-6-14</a:t>
             </a:fld>
             <a:endParaRPr lang="zh-CN" altLang="en-US"/>
           </a:p>
@@ -3232,7 +3232,7 @@
         <p:spPr bwMode="auto">
           <a:xfrm>
             <a:off x="787508" y="2876689"/>
-            <a:ext cx="5258185" cy="2308225"/>
+            <a:ext cx="5258185" cy="2862322"/>
           </a:xfrm>
           <a:prstGeom prst="rect">
             <a:avLst/>
@@ -3445,198 +3445,287 @@
             </a:pPr>
             <a:r>
               <a:rPr lang="en-US" altLang="ja-JP" sz="1800" dirty="0">
-                <a:latin typeface="+mj-lt"/>
+                <a:latin typeface="Times New Roman" panose="02020603050405020304" pitchFamily="18" charset="0"/>
+                <a:cs typeface="Times New Roman" panose="02020603050405020304" pitchFamily="18" charset="0"/>
               </a:rPr>
               <a:t>(</a:t>
             </a:r>
             <a:r>
               <a:rPr lang="en-US" altLang="ja-JP" sz="1800" dirty="0" smtClean="0">
-                <a:latin typeface="+mj-lt"/>
+                <a:latin typeface="Times New Roman" panose="02020603050405020304" pitchFamily="18" charset="0"/>
+                <a:cs typeface="Times New Roman" panose="02020603050405020304" pitchFamily="18" charset="0"/>
               </a:rPr>
               <a:t>1) Put </a:t>
             </a:r>
             <a:r>
+              <a:rPr lang="en-US" altLang="ja-JP" sz="1800">
+                <a:latin typeface="Times New Roman" panose="02020603050405020304" pitchFamily="18" charset="0"/>
+                <a:cs typeface="Times New Roman" panose="02020603050405020304" pitchFamily="18" charset="0"/>
+              </a:rPr>
+              <a:t>your </a:t>
+            </a:r>
+            <a:r>
+              <a:rPr lang="en-US" altLang="ja-JP" sz="1800" smtClean="0">
+                <a:latin typeface="Times New Roman" panose="02020603050405020304" pitchFamily="18" charset="0"/>
+                <a:cs typeface="Times New Roman" panose="02020603050405020304" pitchFamily="18" charset="0"/>
+              </a:rPr>
+              <a:t>title</a:t>
+            </a:r>
+            <a:r>
+              <a:rPr lang="en-US" altLang="ja-JP" sz="1800" dirty="0" smtClean="0">
+                <a:latin typeface="Times New Roman" panose="02020603050405020304" pitchFamily="18" charset="0"/>
+                <a:cs typeface="Times New Roman" panose="02020603050405020304" pitchFamily="18" charset="0"/>
+              </a:rPr>
+              <a:t>, your name(s) </a:t>
+            </a:r>
+            <a:r>
               <a:rPr lang="en-US" altLang="ja-JP" sz="1800" dirty="0">
-                <a:latin typeface="+mj-lt"/>
-              </a:rPr>
-              <a:t>your poster number, </a:t>
-            </a:r>
-            <a:r>
-              <a:rPr lang="en-US" altLang="ja-JP" sz="1800" dirty="0" smtClean="0">
-                <a:latin typeface="+mj-lt"/>
-              </a:rPr>
-              <a:t>title, your name(s) </a:t>
-            </a:r>
-            <a:r>
-              <a:rPr lang="en-US" altLang="ja-JP" sz="1800" dirty="0">
-                <a:latin typeface="+mj-lt"/>
+                <a:latin typeface="Times New Roman" panose="02020603050405020304" pitchFamily="18" charset="0"/>
+                <a:cs typeface="Times New Roman" panose="02020603050405020304" pitchFamily="18" charset="0"/>
               </a:rPr>
               <a:t>and your </a:t>
             </a:r>
             <a:r>
               <a:rPr lang="en-US" altLang="ja-JP" sz="1800" dirty="0" smtClean="0">
-                <a:latin typeface="+mj-lt"/>
+                <a:latin typeface="Times New Roman" panose="02020603050405020304" pitchFamily="18" charset="0"/>
+                <a:cs typeface="Times New Roman" panose="02020603050405020304" pitchFamily="18" charset="0"/>
               </a:rPr>
-              <a:t>photo</a:t>
+              <a:t>photo(s) for </a:t>
+            </a:r>
+            <a:r>
+              <a:rPr lang="en-US" altLang="ja-JP" sz="1800" dirty="0">
+                <a:latin typeface="Times New Roman" panose="02020603050405020304" pitchFamily="18" charset="0"/>
+                <a:cs typeface="Times New Roman" panose="02020603050405020304" pitchFamily="18" charset="0"/>
+              </a:rPr>
+              <a:t>identifying you in the poster talk.</a:t>
+            </a:r>
+          </a:p>
+          <a:p>
+            <a:pPr eaLnBrk="1" hangingPunct="1">
+              <a:lnSpc>
+                <a:spcPct val="100000"/>
+              </a:lnSpc>
+              <a:spcBef>
+                <a:spcPct val="0"/>
+              </a:spcBef>
+              <a:buFontTx/>
+              <a:buNone/>
+            </a:pPr>
+            <a:r>
+              <a:rPr lang="en-US" altLang="ja-JP" sz="1800" dirty="0">
+                <a:latin typeface="Times New Roman" panose="02020603050405020304" pitchFamily="18" charset="0"/>
+                <a:cs typeface="Times New Roman" panose="02020603050405020304" pitchFamily="18" charset="0"/>
+              </a:rPr>
+              <a:t>(2) Put one main figure or two of </a:t>
             </a:r>
             <a:r>
               <a:rPr lang="en-US" altLang="ja-JP" sz="1800" dirty="0" smtClean="0">
-                <a:latin typeface="+mj-lt"/>
+                <a:latin typeface="Times New Roman" panose="02020603050405020304" pitchFamily="18" charset="0"/>
+                <a:cs typeface="Times New Roman" panose="02020603050405020304" pitchFamily="18" charset="0"/>
+              </a:rPr>
+              <a:t>your </a:t>
+            </a:r>
+            <a:r>
+              <a:rPr lang="en-US" altLang="zh-CN" sz="1800" dirty="0" smtClean="0">
+                <a:latin typeface="Times New Roman" panose="02020603050405020304" pitchFamily="18" charset="0"/>
+                <a:cs typeface="Times New Roman" panose="02020603050405020304" pitchFamily="18" charset="0"/>
+              </a:rPr>
+              <a:t>poster</a:t>
+            </a:r>
+            <a:r>
+              <a:rPr lang="en-US" altLang="ja-JP" sz="1800" dirty="0" smtClean="0">
+                <a:latin typeface="Times New Roman" panose="02020603050405020304" pitchFamily="18" charset="0"/>
+                <a:cs typeface="Times New Roman" panose="02020603050405020304" pitchFamily="18" charset="0"/>
+              </a:rPr>
+              <a:t> presentation.</a:t>
+            </a:r>
+            <a:endParaRPr lang="en-US" altLang="ja-JP" sz="1800" dirty="0">
+              <a:latin typeface="Times New Roman" panose="02020603050405020304" pitchFamily="18" charset="0"/>
+              <a:cs typeface="Times New Roman" panose="02020603050405020304" pitchFamily="18" charset="0"/>
+            </a:endParaRPr>
+          </a:p>
+          <a:p>
+            <a:pPr eaLnBrk="1" hangingPunct="1">
+              <a:lnSpc>
+                <a:spcPct val="100000"/>
+              </a:lnSpc>
+              <a:spcBef>
+                <a:spcPct val="0"/>
+              </a:spcBef>
+              <a:buFontTx/>
+              <a:buNone/>
+            </a:pPr>
+            <a:r>
+              <a:rPr lang="en-US" altLang="ja-JP" sz="1800" dirty="0">
+                <a:latin typeface="Times New Roman" panose="02020603050405020304" pitchFamily="18" charset="0"/>
+                <a:cs typeface="Times New Roman" panose="02020603050405020304" pitchFamily="18" charset="0"/>
+              </a:rPr>
+              <a:t>(3) Put one key message of </a:t>
+            </a:r>
+            <a:r>
+              <a:rPr lang="en-US" altLang="ja-JP" sz="1800" dirty="0" smtClean="0">
+                <a:latin typeface="Times New Roman" panose="02020603050405020304" pitchFamily="18" charset="0"/>
+                <a:cs typeface="Times New Roman" panose="02020603050405020304" pitchFamily="18" charset="0"/>
+              </a:rPr>
+              <a:t>the </a:t>
+            </a:r>
+            <a:r>
+              <a:rPr lang="en-US" altLang="zh-CN" sz="1800" dirty="0" smtClean="0">
+                <a:latin typeface="Times New Roman" panose="02020603050405020304" pitchFamily="18" charset="0"/>
+                <a:cs typeface="Times New Roman" panose="02020603050405020304" pitchFamily="18" charset="0"/>
+              </a:rPr>
+              <a:t>poster</a:t>
+            </a:r>
+            <a:r>
+              <a:rPr lang="en-US" altLang="ja-JP" sz="1800" dirty="0" smtClean="0">
+                <a:latin typeface="Times New Roman" panose="02020603050405020304" pitchFamily="18" charset="0"/>
+                <a:cs typeface="Times New Roman" panose="02020603050405020304" pitchFamily="18" charset="0"/>
+              </a:rPr>
+              <a:t> presentation.</a:t>
+            </a:r>
+            <a:endParaRPr lang="en-US" altLang="ja-JP" sz="1800" dirty="0">
+              <a:latin typeface="Times New Roman" panose="02020603050405020304" pitchFamily="18" charset="0"/>
+              <a:cs typeface="Times New Roman" panose="02020603050405020304" pitchFamily="18" charset="0"/>
+            </a:endParaRPr>
+          </a:p>
+          <a:p>
+            <a:pPr eaLnBrk="1" hangingPunct="1">
+              <a:lnSpc>
+                <a:spcPct val="100000"/>
+              </a:lnSpc>
+              <a:spcBef>
+                <a:spcPct val="0"/>
+              </a:spcBef>
+              <a:buFontTx/>
+              <a:buNone/>
+            </a:pPr>
+            <a:r>
+              <a:rPr lang="en-US" altLang="ja-JP" sz="1800" dirty="0">
+                <a:latin typeface="Times New Roman" panose="02020603050405020304" pitchFamily="18" charset="0"/>
+                <a:cs typeface="Times New Roman" panose="02020603050405020304" pitchFamily="18" charset="0"/>
+              </a:rPr>
+              <a:t>(4) Avoid long sentences or too special </a:t>
+            </a:r>
+            <a:r>
+              <a:rPr lang="en-US" altLang="ja-JP" sz="1800" dirty="0" smtClean="0">
+                <a:latin typeface="Times New Roman" panose="02020603050405020304" pitchFamily="18" charset="0"/>
+                <a:cs typeface="Times New Roman" panose="02020603050405020304" pitchFamily="18" charset="0"/>
+              </a:rPr>
+              <a:t>keywords.</a:t>
+            </a:r>
+            <a:endParaRPr lang="en-US" altLang="ja-JP" sz="1800" dirty="0">
+              <a:latin typeface="Times New Roman" panose="02020603050405020304" pitchFamily="18" charset="0"/>
+              <a:cs typeface="Times New Roman" panose="02020603050405020304" pitchFamily="18" charset="0"/>
+            </a:endParaRPr>
+          </a:p>
+          <a:p>
+            <a:pPr eaLnBrk="1" hangingPunct="1">
+              <a:lnSpc>
+                <a:spcPct val="100000"/>
+              </a:lnSpc>
+              <a:spcBef>
+                <a:spcPct val="0"/>
+              </a:spcBef>
+              <a:buFontTx/>
+              <a:buNone/>
+            </a:pPr>
+            <a:r>
+              <a:rPr lang="en-US" altLang="ja-JP" sz="1800" dirty="0">
+                <a:latin typeface="Times New Roman" panose="02020603050405020304" pitchFamily="18" charset="0"/>
+                <a:cs typeface="Times New Roman" panose="02020603050405020304" pitchFamily="18" charset="0"/>
+              </a:rPr>
+              <a:t>(5) It would be nice if you gave a short message </a:t>
+            </a:r>
+            <a:r>
+              <a:rPr lang="en-US" altLang="ja-JP" sz="1800" dirty="0" smtClean="0">
+                <a:latin typeface="Times New Roman" panose="02020603050405020304" pitchFamily="18" charset="0"/>
+                <a:cs typeface="Times New Roman" panose="02020603050405020304" pitchFamily="18" charset="0"/>
+              </a:rPr>
+              <a:t>to poster </a:t>
+            </a:r>
+            <a:r>
+              <a:rPr lang="en-US" altLang="ja-JP" sz="1800" dirty="0">
+                <a:latin typeface="Times New Roman" panose="02020603050405020304" pitchFamily="18" charset="0"/>
+                <a:cs typeface="Times New Roman" panose="02020603050405020304" pitchFamily="18" charset="0"/>
+              </a:rPr>
+              <a:t>talk presenter</a:t>
+            </a:r>
+            <a:r>
+              <a:rPr lang="en-US" altLang="ja-JP" sz="1800" dirty="0" smtClean="0">
+                <a:latin typeface="Times New Roman" panose="02020603050405020304" pitchFamily="18" charset="0"/>
+                <a:cs typeface="Times New Roman" panose="02020603050405020304" pitchFamily="18" charset="0"/>
+              </a:rPr>
+              <a:t>.</a:t>
+            </a:r>
+          </a:p>
+          <a:p>
+            <a:pPr eaLnBrk="1" hangingPunct="1">
+              <a:lnSpc>
+                <a:spcPct val="100000"/>
+              </a:lnSpc>
+              <a:spcBef>
+                <a:spcPct val="0"/>
+              </a:spcBef>
+              <a:buFontTx/>
+              <a:buNone/>
+            </a:pPr>
+            <a:r>
+              <a:rPr lang="en-US" altLang="zh-CN" sz="1800" dirty="0">
+                <a:latin typeface="Times New Roman" panose="02020603050405020304" pitchFamily="18" charset="0"/>
+                <a:cs typeface="Times New Roman" panose="02020603050405020304" pitchFamily="18" charset="0"/>
               </a:rPr>
               <a:t>(</a:t>
             </a:r>
             <a:r>
-              <a:rPr lang="en-US" altLang="ja-JP" sz="1800" dirty="0" smtClean="0">
-                <a:latin typeface="+mj-lt"/>
+              <a:rPr lang="en-US" altLang="zh-CN" sz="1800" dirty="0" smtClean="0">
+                <a:latin typeface="Times New Roman" panose="02020603050405020304" pitchFamily="18" charset="0"/>
+                <a:cs typeface="Times New Roman" panose="02020603050405020304" pitchFamily="18" charset="0"/>
               </a:rPr>
-              <a:t>s) </a:t>
-            </a:r>
-            <a:r>
-              <a:rPr lang="en-US" altLang="ja-JP" sz="1800" dirty="0" smtClean="0">
-                <a:latin typeface="+mj-lt"/>
+              <a:t>6</a:t>
+            </a:r>
+            <a:r>
+              <a:rPr lang="en-US" altLang="zh-CN" sz="1800" dirty="0">
+                <a:latin typeface="Times New Roman" panose="02020603050405020304" pitchFamily="18" charset="0"/>
+                <a:cs typeface="Times New Roman" panose="02020603050405020304" pitchFamily="18" charset="0"/>
               </a:rPr>
-              <a:t>for </a:t>
-            </a:r>
-            <a:r>
-              <a:rPr lang="en-US" altLang="ja-JP" sz="1800" dirty="0">
-                <a:latin typeface="+mj-lt"/>
-              </a:rPr>
-              <a:t>identifying you in the poster talk.</a:t>
-            </a:r>
-          </a:p>
-          <a:p>
-            <a:pPr eaLnBrk="1" hangingPunct="1">
-              <a:lnSpc>
-                <a:spcPct val="100000"/>
-              </a:lnSpc>
-              <a:spcBef>
-                <a:spcPct val="0"/>
-              </a:spcBef>
-              <a:buFontTx/>
-              <a:buNone/>
-            </a:pPr>
-            <a:r>
-              <a:rPr lang="en-US" altLang="ja-JP" sz="1800" dirty="0">
-                <a:latin typeface="+mj-lt"/>
-              </a:rPr>
-              <a:t>(2) Put one main figure or two of your presentation.</a:t>
-            </a:r>
-          </a:p>
-          <a:p>
-            <a:pPr eaLnBrk="1" hangingPunct="1">
-              <a:lnSpc>
-                <a:spcPct val="100000"/>
-              </a:lnSpc>
-              <a:spcBef>
-                <a:spcPct val="0"/>
-              </a:spcBef>
-              <a:buFontTx/>
-              <a:buNone/>
-            </a:pPr>
-            <a:r>
-              <a:rPr lang="en-US" altLang="ja-JP" sz="1800" dirty="0">
-                <a:latin typeface="+mj-lt"/>
-              </a:rPr>
-              <a:t>(3) Put one key message of the presentation.</a:t>
-            </a:r>
-          </a:p>
-          <a:p>
-            <a:pPr eaLnBrk="1" hangingPunct="1">
-              <a:lnSpc>
-                <a:spcPct val="100000"/>
-              </a:lnSpc>
-              <a:spcBef>
-                <a:spcPct val="0"/>
-              </a:spcBef>
-              <a:buFontTx/>
-              <a:buNone/>
-            </a:pPr>
-            <a:r>
-              <a:rPr lang="en-US" altLang="ja-JP" sz="1800" dirty="0">
-                <a:latin typeface="+mj-lt"/>
-              </a:rPr>
-              <a:t>(4) Avoid long sentences or too special </a:t>
-            </a:r>
-            <a:r>
-              <a:rPr lang="en-US" altLang="ja-JP" sz="1800" dirty="0" smtClean="0">
-                <a:latin typeface="+mj-lt"/>
-              </a:rPr>
-              <a:t>keywords.</a:t>
-            </a:r>
-            <a:endParaRPr lang="en-US" altLang="ja-JP" sz="1800" dirty="0">
-              <a:latin typeface="+mj-lt"/>
-            </a:endParaRPr>
-          </a:p>
-          <a:p>
-            <a:pPr eaLnBrk="1" hangingPunct="1">
-              <a:lnSpc>
-                <a:spcPct val="100000"/>
-              </a:lnSpc>
-              <a:spcBef>
-                <a:spcPct val="0"/>
-              </a:spcBef>
-              <a:buFontTx/>
-              <a:buNone/>
-            </a:pPr>
-            <a:r>
-              <a:rPr lang="en-US" altLang="ja-JP" sz="1800" dirty="0">
-                <a:latin typeface="+mj-lt"/>
-              </a:rPr>
-              <a:t>(5) It would be nice if you gave a short message </a:t>
-            </a:r>
-            <a:r>
-              <a:rPr lang="en-US" altLang="ja-JP" sz="1800" dirty="0" smtClean="0">
-                <a:latin typeface="+mj-lt"/>
-              </a:rPr>
-              <a:t>to </a:t>
-            </a:r>
-            <a:r>
-              <a:rPr lang="en-US" altLang="ja-JP" sz="1800" dirty="0" smtClean="0">
-                <a:latin typeface="+mj-lt"/>
-              </a:rPr>
-              <a:t>poster </a:t>
-            </a:r>
-            <a:r>
-              <a:rPr lang="en-US" altLang="ja-JP" sz="1800" dirty="0">
-                <a:latin typeface="+mj-lt"/>
-              </a:rPr>
-              <a:t>talk presenter.</a:t>
-            </a:r>
-          </a:p>
-          <a:p>
-            <a:pPr eaLnBrk="1" hangingPunct="1">
-              <a:lnSpc>
-                <a:spcPct val="100000"/>
-              </a:lnSpc>
-              <a:spcBef>
-                <a:spcPct val="0"/>
-              </a:spcBef>
-              <a:buFontTx/>
-              <a:buNone/>
-            </a:pPr>
-            <a:r>
-              <a:rPr lang="en-US" altLang="ja-JP" sz="1800" dirty="0">
-                <a:latin typeface="+mj-lt"/>
-              </a:rPr>
-              <a:t>(6) Give your poster number in</a:t>
-            </a:r>
-            <a:r>
-              <a:rPr lang="ja-JP" altLang="en-US" sz="1800" dirty="0">
-                <a:latin typeface="+mj-lt"/>
+              <a:t>)</a:t>
+            </a:r>
+            <a:r>
+              <a:rPr lang="zh-CN" altLang="en-US" sz="1800" dirty="0" smtClean="0">
+                <a:latin typeface="Times New Roman" panose="02020603050405020304" pitchFamily="18" charset="0"/>
+                <a:cs typeface="Times New Roman" panose="02020603050405020304" pitchFamily="18" charset="0"/>
               </a:rPr>
               <a:t> </a:t>
             </a:r>
             <a:r>
-              <a:rPr lang="en-US" altLang="ja-JP" sz="1800" dirty="0">
-                <a:latin typeface="+mj-lt"/>
+              <a:rPr lang="en-US" altLang="zh-CN" sz="1800" dirty="0" smtClean="0">
+                <a:latin typeface="Times New Roman" panose="02020603050405020304" pitchFamily="18" charset="0"/>
+                <a:cs typeface="Times New Roman" panose="02020603050405020304" pitchFamily="18" charset="0"/>
               </a:rPr>
-              <a:t>the file name.</a:t>
-            </a:r>
+              <a:t>You need not fill the Poster No..</a:t>
+            </a:r>
+            <a:endParaRPr lang="en-US" altLang="ja-JP" sz="1800" dirty="0" smtClean="0">
+              <a:latin typeface="Times New Roman" panose="02020603050405020304" pitchFamily="18" charset="0"/>
+              <a:cs typeface="Times New Roman" panose="02020603050405020304" pitchFamily="18" charset="0"/>
+            </a:endParaRPr>
+          </a:p>
+          <a:p>
+            <a:pPr eaLnBrk="1" hangingPunct="1">
+              <a:lnSpc>
+                <a:spcPct val="100000"/>
+              </a:lnSpc>
+              <a:spcBef>
+                <a:spcPct val="0"/>
+              </a:spcBef>
+              <a:buFontTx/>
+              <a:buNone/>
+            </a:pPr>
             <a:endParaRPr lang="en-US" altLang="ja-JP" sz="1800" dirty="0">
               <a:solidFill>
                 <a:srgbClr val="FF0000"/>
               </a:solidFill>
-              <a:latin typeface="+mj-lt"/>
+              <a:latin typeface="Times New Roman" panose="02020603050405020304" pitchFamily="18" charset="0"/>
+              <a:cs typeface="Times New Roman" panose="02020603050405020304" pitchFamily="18" charset="0"/>
             </a:endParaRPr>
           </a:p>
         </p:txBody>
@@ -4102,7 +4191,14 @@
                 <a:latin typeface="Times New Roman" panose="02020603050405020304" pitchFamily="18" charset="0"/>
                 <a:cs typeface="Times New Roman" panose="02020603050405020304" pitchFamily="18" charset="0"/>
               </a:rPr>
-              <a:t>Title of </a:t>
+              <a:t>Title </a:t>
+            </a:r>
+            <a:r>
+              <a:rPr lang="en-US" altLang="ja-JP" sz="2400" dirty="0" smtClean="0">
+                <a:latin typeface="Times New Roman" panose="02020603050405020304" pitchFamily="18" charset="0"/>
+                <a:cs typeface="Times New Roman" panose="02020603050405020304" pitchFamily="18" charset="0"/>
+              </a:rPr>
+              <a:t>of </a:t>
             </a:r>
             <a:r>
               <a:rPr lang="en-US" altLang="ja-JP" sz="2400" dirty="0">
